--- a/260 - O God, The Eternal Father.pptx
+++ b/260 - O God, The Eternal Father.pptx
@@ -248,7 +248,7 @@
           <a:p>
             <a:fld id="{32F7251A-AE54-443C-B8FE-5F636E835EBF}" type="datetimeFigureOut">
               <a:rPr lang="en-US" smtClean="0"/>
-              <a:t>9/3/2017</a:t>
+              <a:t>1/12/2018</a:t>
             </a:fld>
             <a:endParaRPr lang="en-US"/>
           </a:p>
@@ -416,7 +416,7 @@
           <a:p>
             <a:fld id="{32F7251A-AE54-443C-B8FE-5F636E835EBF}" type="datetimeFigureOut">
               <a:rPr lang="en-US" smtClean="0"/>
-              <a:t>9/3/2017</a:t>
+              <a:t>1/12/2018</a:t>
             </a:fld>
             <a:endParaRPr lang="en-US"/>
           </a:p>
@@ -594,7 +594,7 @@
           <a:p>
             <a:fld id="{32F7251A-AE54-443C-B8FE-5F636E835EBF}" type="datetimeFigureOut">
               <a:rPr lang="en-US" smtClean="0"/>
-              <a:t>9/3/2017</a:t>
+              <a:t>1/12/2018</a:t>
             </a:fld>
             <a:endParaRPr lang="en-US"/>
           </a:p>
@@ -762,7 +762,7 @@
           <a:p>
             <a:fld id="{32F7251A-AE54-443C-B8FE-5F636E835EBF}" type="datetimeFigureOut">
               <a:rPr lang="en-US" smtClean="0"/>
-              <a:t>9/3/2017</a:t>
+              <a:t>1/12/2018</a:t>
             </a:fld>
             <a:endParaRPr lang="en-US"/>
           </a:p>
@@ -1007,7 +1007,7 @@
           <a:p>
             <a:fld id="{32F7251A-AE54-443C-B8FE-5F636E835EBF}" type="datetimeFigureOut">
               <a:rPr lang="en-US" smtClean="0"/>
-              <a:t>9/3/2017</a:t>
+              <a:t>1/12/2018</a:t>
             </a:fld>
             <a:endParaRPr lang="en-US"/>
           </a:p>
@@ -1236,7 +1236,7 @@
           <a:p>
             <a:fld id="{32F7251A-AE54-443C-B8FE-5F636E835EBF}" type="datetimeFigureOut">
               <a:rPr lang="en-US" smtClean="0"/>
-              <a:t>9/3/2017</a:t>
+              <a:t>1/12/2018</a:t>
             </a:fld>
             <a:endParaRPr lang="en-US"/>
           </a:p>
@@ -1600,7 +1600,7 @@
           <a:p>
             <a:fld id="{32F7251A-AE54-443C-B8FE-5F636E835EBF}" type="datetimeFigureOut">
               <a:rPr lang="en-US" smtClean="0"/>
-              <a:t>9/3/2017</a:t>
+              <a:t>1/12/2018</a:t>
             </a:fld>
             <a:endParaRPr lang="en-US"/>
           </a:p>
@@ -1717,7 +1717,7 @@
           <a:p>
             <a:fld id="{32F7251A-AE54-443C-B8FE-5F636E835EBF}" type="datetimeFigureOut">
               <a:rPr lang="en-US" smtClean="0"/>
-              <a:t>9/3/2017</a:t>
+              <a:t>1/12/2018</a:t>
             </a:fld>
             <a:endParaRPr lang="en-US"/>
           </a:p>
@@ -1812,7 +1812,7 @@
           <a:p>
             <a:fld id="{32F7251A-AE54-443C-B8FE-5F636E835EBF}" type="datetimeFigureOut">
               <a:rPr lang="en-US" smtClean="0"/>
-              <a:t>9/3/2017</a:t>
+              <a:t>1/12/2018</a:t>
             </a:fld>
             <a:endParaRPr lang="en-US"/>
           </a:p>
@@ -2087,7 +2087,7 @@
           <a:p>
             <a:fld id="{32F7251A-AE54-443C-B8FE-5F636E835EBF}" type="datetimeFigureOut">
               <a:rPr lang="en-US" smtClean="0"/>
-              <a:t>9/3/2017</a:t>
+              <a:t>1/12/2018</a:t>
             </a:fld>
             <a:endParaRPr lang="en-US"/>
           </a:p>
@@ -2339,7 +2339,7 @@
           <a:p>
             <a:fld id="{32F7251A-AE54-443C-B8FE-5F636E835EBF}" type="datetimeFigureOut">
               <a:rPr lang="en-US" smtClean="0"/>
-              <a:t>9/3/2017</a:t>
+              <a:t>1/12/2018</a:t>
             </a:fld>
             <a:endParaRPr lang="en-US"/>
           </a:p>
@@ -2553,7 +2553,7 @@
           <a:p>
             <a:fld id="{32F7251A-AE54-443C-B8FE-5F636E835EBF}" type="datetimeFigureOut">
               <a:rPr lang="en-US" smtClean="0"/>
-              <a:t>9/3/2017</a:t>
+              <a:t>1/12/2018</a:t>
             </a:fld>
             <a:endParaRPr lang="en-US"/>
           </a:p>
@@ -3586,12 +3586,20 @@
           <a:p>
             <a:pPr algn="ctr"/>
             <a:r>
+              <a:rPr lang="en-US" sz="3600">
+                <a:solidFill>
+                  <a:schemeClr val="bg1"/>
+                </a:solidFill>
+              </a:rPr>
+              <a:t>To </a:t>
+            </a:r>
+            <a:r>
               <a:rPr lang="en-US" sz="3600" dirty="0">
                 <a:solidFill>
                   <a:schemeClr val="bg1"/>
                 </a:solidFill>
               </a:rPr>
-              <a:t>TO win our souls with love,</a:t>
+              <a:t>win our souls with love,</a:t>
             </a:r>
           </a:p>
           <a:p>

--- a/260 - O God, The Eternal Father.pptx
+++ b/260 - O God, The Eternal Father.pptx
@@ -115,10 +115,6 @@
 </p:presentation>
 </file>
 
-<file path=ppt/revisionInfo.xml><?xml version="1.0" encoding="utf-8"?>
-<p1510:revInfo xmlns:a="http://schemas.openxmlformats.org/drawingml/2006/main" xmlns:r="http://schemas.openxmlformats.org/officeDocument/2006/relationships" xmlns:p1510="http://schemas.microsoft.com/office/powerpoint/2015/10/main"/>
-</file>
-
 <file path=ppt/slideLayouts/slideLayout1.xml><?xml version="1.0" encoding="utf-8"?>
 <p:sldLayout xmlns:a="http://schemas.openxmlformats.org/drawingml/2006/main" xmlns:r="http://schemas.openxmlformats.org/officeDocument/2006/relationships" xmlns:p="http://schemas.openxmlformats.org/presentationml/2006/main" type="title" preserve="1">
   <p:cSld name="Title Slide">
@@ -248,7 +244,7 @@
           <a:p>
             <a:fld id="{32F7251A-AE54-443C-B8FE-5F636E835EBF}" type="datetimeFigureOut">
               <a:rPr lang="en-US" smtClean="0"/>
-              <a:t>1/12/2018</a:t>
+              <a:t>12/1/2019</a:t>
             </a:fld>
             <a:endParaRPr lang="en-US"/>
           </a:p>
@@ -416,7 +412,7 @@
           <a:p>
             <a:fld id="{32F7251A-AE54-443C-B8FE-5F636E835EBF}" type="datetimeFigureOut">
               <a:rPr lang="en-US" smtClean="0"/>
-              <a:t>1/12/2018</a:t>
+              <a:t>12/1/2019</a:t>
             </a:fld>
             <a:endParaRPr lang="en-US"/>
           </a:p>
@@ -594,7 +590,7 @@
           <a:p>
             <a:fld id="{32F7251A-AE54-443C-B8FE-5F636E835EBF}" type="datetimeFigureOut">
               <a:rPr lang="en-US" smtClean="0"/>
-              <a:t>1/12/2018</a:t>
+              <a:t>12/1/2019</a:t>
             </a:fld>
             <a:endParaRPr lang="en-US"/>
           </a:p>
@@ -762,7 +758,7 @@
           <a:p>
             <a:fld id="{32F7251A-AE54-443C-B8FE-5F636E835EBF}" type="datetimeFigureOut">
               <a:rPr lang="en-US" smtClean="0"/>
-              <a:t>1/12/2018</a:t>
+              <a:t>12/1/2019</a:t>
             </a:fld>
             <a:endParaRPr lang="en-US"/>
           </a:p>
@@ -1007,7 +1003,7 @@
           <a:p>
             <a:fld id="{32F7251A-AE54-443C-B8FE-5F636E835EBF}" type="datetimeFigureOut">
               <a:rPr lang="en-US" smtClean="0"/>
-              <a:t>1/12/2018</a:t>
+              <a:t>12/1/2019</a:t>
             </a:fld>
             <a:endParaRPr lang="en-US"/>
           </a:p>
@@ -1236,7 +1232,7 @@
           <a:p>
             <a:fld id="{32F7251A-AE54-443C-B8FE-5F636E835EBF}" type="datetimeFigureOut">
               <a:rPr lang="en-US" smtClean="0"/>
-              <a:t>1/12/2018</a:t>
+              <a:t>12/1/2019</a:t>
             </a:fld>
             <a:endParaRPr lang="en-US"/>
           </a:p>
@@ -1600,7 +1596,7 @@
           <a:p>
             <a:fld id="{32F7251A-AE54-443C-B8FE-5F636E835EBF}" type="datetimeFigureOut">
               <a:rPr lang="en-US" smtClean="0"/>
-              <a:t>1/12/2018</a:t>
+              <a:t>12/1/2019</a:t>
             </a:fld>
             <a:endParaRPr lang="en-US"/>
           </a:p>
@@ -1717,7 +1713,7 @@
           <a:p>
             <a:fld id="{32F7251A-AE54-443C-B8FE-5F636E835EBF}" type="datetimeFigureOut">
               <a:rPr lang="en-US" smtClean="0"/>
-              <a:t>1/12/2018</a:t>
+              <a:t>12/1/2019</a:t>
             </a:fld>
             <a:endParaRPr lang="en-US"/>
           </a:p>
@@ -1812,7 +1808,7 @@
           <a:p>
             <a:fld id="{32F7251A-AE54-443C-B8FE-5F636E835EBF}" type="datetimeFigureOut">
               <a:rPr lang="en-US" smtClean="0"/>
-              <a:t>1/12/2018</a:t>
+              <a:t>12/1/2019</a:t>
             </a:fld>
             <a:endParaRPr lang="en-US"/>
           </a:p>
@@ -2087,7 +2083,7 @@
           <a:p>
             <a:fld id="{32F7251A-AE54-443C-B8FE-5F636E835EBF}" type="datetimeFigureOut">
               <a:rPr lang="en-US" smtClean="0"/>
-              <a:t>1/12/2018</a:t>
+              <a:t>12/1/2019</a:t>
             </a:fld>
             <a:endParaRPr lang="en-US"/>
           </a:p>
@@ -2339,7 +2335,7 @@
           <a:p>
             <a:fld id="{32F7251A-AE54-443C-B8FE-5F636E835EBF}" type="datetimeFigureOut">
               <a:rPr lang="en-US" smtClean="0"/>
-              <a:t>1/12/2018</a:t>
+              <a:t>12/1/2019</a:t>
             </a:fld>
             <a:endParaRPr lang="en-US"/>
           </a:p>
@@ -2406,7 +2402,9 @@
     <p:bg>
       <p:bgPr>
         <a:solidFill>
-          <a:srgbClr val="333333"/>
+          <a:schemeClr val="bg1">
+            <a:lumMod val="10000"/>
+          </a:schemeClr>
         </a:solidFill>
         <a:effectLst/>
       </p:bgPr>
@@ -2553,7 +2551,7 @@
           <a:p>
             <a:fld id="{32F7251A-AE54-443C-B8FE-5F636E835EBF}" type="datetimeFigureOut">
               <a:rPr lang="en-US" smtClean="0"/>
-              <a:t>1/12/2018</a:t>
+              <a:t>12/1/2019</a:t>
             </a:fld>
             <a:endParaRPr lang="en-US"/>
           </a:p>
@@ -3023,8 +3021,8 @@
         </p:nvSpPr>
         <p:spPr>
           <a:xfrm>
-            <a:off x="0" y="5804209"/>
-            <a:ext cx="12192000" cy="830997"/>
+            <a:off x="0" y="5927320"/>
+            <a:ext cx="12192000" cy="584775"/>
           </a:xfrm>
           <a:prstGeom prst="rect">
             <a:avLst/>
@@ -3039,10 +3037,12 @@
           <a:p>
             <a:pPr algn="ctr"/>
             <a:r>
-              <a:rPr lang="en-US" sz="4800" dirty="0">
+              <a:rPr lang="en-US" sz="3200" u="sng" dirty="0">
                 <a:solidFill>
                   <a:schemeClr val="bg1"/>
                 </a:solidFill>
+                <a:latin typeface="Assistant SemiBold" panose="00000700000000000000" pitchFamily="2" charset="-79"/>
+                <a:cs typeface="Assistant SemiBold" panose="00000700000000000000" pitchFamily="2" charset="-79"/>
               </a:rPr>
               <a:t>“O God, The Eternal Father”</a:t>
             </a:r>
@@ -3057,8 +3057,8 @@
         </p:nvSpPr>
         <p:spPr>
           <a:xfrm>
-            <a:off x="0" y="239869"/>
-            <a:ext cx="12192000" cy="5078313"/>
+            <a:off x="0" y="729571"/>
+            <a:ext cx="12192000" cy="3970318"/>
           </a:xfrm>
           <a:prstGeom prst="rect">
             <a:avLst/>
@@ -3073,10 +3073,12 @@
           <a:p>
             <a:pPr algn="ctr"/>
             <a:r>
-              <a:rPr lang="en-US" sz="3600" dirty="0">
+              <a:rPr lang="en-US" sz="2800" spc="50" dirty="0">
                 <a:solidFill>
                   <a:schemeClr val="bg1"/>
                 </a:solidFill>
+                <a:latin typeface="Assistant" panose="00000500000000000000" pitchFamily="2" charset="-79"/>
+                <a:cs typeface="Assistant" panose="00000500000000000000" pitchFamily="2" charset="-79"/>
               </a:rPr>
               <a:t>O God, the eternal Father,</a:t>
             </a:r>
@@ -3084,10 +3086,12 @@
           <a:p>
             <a:pPr algn="ctr"/>
             <a:r>
-              <a:rPr lang="en-US" sz="3600" dirty="0">
+              <a:rPr lang="en-US" sz="2800" spc="50" dirty="0">
                 <a:solidFill>
                   <a:schemeClr val="bg1"/>
                 </a:solidFill>
+                <a:latin typeface="Assistant" panose="00000500000000000000" pitchFamily="2" charset="-79"/>
+                <a:cs typeface="Assistant" panose="00000500000000000000" pitchFamily="2" charset="-79"/>
               </a:rPr>
               <a:t>Who dwells amid the sky,</a:t>
             </a:r>
@@ -3095,10 +3099,12 @@
           <a:p>
             <a:pPr algn="ctr"/>
             <a:r>
-              <a:rPr lang="en-US" sz="3600" dirty="0">
+              <a:rPr lang="en-US" sz="2800" spc="50" dirty="0">
                 <a:solidFill>
                   <a:schemeClr val="bg1"/>
                 </a:solidFill>
+                <a:latin typeface="Assistant" panose="00000500000000000000" pitchFamily="2" charset="-79"/>
+                <a:cs typeface="Assistant" panose="00000500000000000000" pitchFamily="2" charset="-79"/>
               </a:rPr>
               <a:t>In Jesus’ name we ask Thee</a:t>
             </a:r>
@@ -3106,29 +3112,35 @@
           <a:p>
             <a:pPr algn="ctr"/>
             <a:r>
-              <a:rPr lang="en-US" sz="3600" dirty="0">
+              <a:rPr lang="en-US" sz="2800" spc="50" dirty="0">
                 <a:solidFill>
                   <a:schemeClr val="bg1"/>
                 </a:solidFill>
+                <a:latin typeface="Assistant" panose="00000500000000000000" pitchFamily="2" charset="-79"/>
+                <a:cs typeface="Assistant" panose="00000500000000000000" pitchFamily="2" charset="-79"/>
               </a:rPr>
               <a:t>To bless and sanctify,</a:t>
             </a:r>
           </a:p>
           <a:p>
             <a:pPr algn="ctr"/>
-            <a:endParaRPr lang="en-US" sz="3600" dirty="0">
+            <a:endParaRPr lang="en-US" sz="2800" spc="50" dirty="0">
               <a:solidFill>
                 <a:schemeClr val="bg1"/>
               </a:solidFill>
+              <a:latin typeface="Assistant" panose="00000500000000000000" pitchFamily="2" charset="-79"/>
+              <a:cs typeface="Assistant" panose="00000500000000000000" pitchFamily="2" charset="-79"/>
             </a:endParaRPr>
           </a:p>
           <a:p>
             <a:pPr algn="ctr"/>
             <a:r>
-              <a:rPr lang="en-US" sz="3600" dirty="0">
+              <a:rPr lang="en-US" sz="2800" spc="50" dirty="0">
                 <a:solidFill>
                   <a:schemeClr val="bg1"/>
                 </a:solidFill>
+                <a:latin typeface="Assistant" panose="00000500000000000000" pitchFamily="2" charset="-79"/>
+                <a:cs typeface="Assistant" panose="00000500000000000000" pitchFamily="2" charset="-79"/>
               </a:rPr>
               <a:t>If we are pure before Thee,</a:t>
             </a:r>
@@ -3136,10 +3148,12 @@
           <a:p>
             <a:pPr algn="ctr"/>
             <a:r>
-              <a:rPr lang="en-US" sz="3600" dirty="0">
+              <a:rPr lang="en-US" sz="2800" spc="50" dirty="0">
                 <a:solidFill>
                   <a:schemeClr val="bg1"/>
                 </a:solidFill>
+                <a:latin typeface="Assistant" panose="00000500000000000000" pitchFamily="2" charset="-79"/>
+                <a:cs typeface="Assistant" panose="00000500000000000000" pitchFamily="2" charset="-79"/>
               </a:rPr>
               <a:t>This bread and cup of wine,</a:t>
             </a:r>
@@ -3147,10 +3161,12 @@
           <a:p>
             <a:pPr algn="ctr"/>
             <a:r>
-              <a:rPr lang="en-US" sz="3600" dirty="0">
+              <a:rPr lang="en-US" sz="2800" spc="50" dirty="0">
                 <a:solidFill>
                   <a:schemeClr val="bg1"/>
                 </a:solidFill>
+                <a:latin typeface="Assistant" panose="00000500000000000000" pitchFamily="2" charset="-79"/>
+                <a:cs typeface="Assistant" panose="00000500000000000000" pitchFamily="2" charset="-79"/>
               </a:rPr>
               <a:t>That we may all remember</a:t>
             </a:r>
@@ -3158,10 +3174,12 @@
           <a:p>
             <a:pPr algn="ctr"/>
             <a:r>
-              <a:rPr lang="en-US" sz="3600" dirty="0">
+              <a:rPr lang="en-US" sz="2800" spc="50" dirty="0">
                 <a:solidFill>
                   <a:schemeClr val="bg1"/>
                 </a:solidFill>
+                <a:latin typeface="Assistant" panose="00000500000000000000" pitchFamily="2" charset="-79"/>
+                <a:cs typeface="Assistant" panose="00000500000000000000" pitchFamily="2" charset="-79"/>
               </a:rPr>
               <a:t>That offering so divine.</a:t>
             </a:r>
@@ -3263,8 +3281,8 @@
         </p:nvSpPr>
         <p:spPr>
           <a:xfrm>
-            <a:off x="0" y="5804209"/>
-            <a:ext cx="12192000" cy="830997"/>
+            <a:off x="0" y="5927320"/>
+            <a:ext cx="12192000" cy="584775"/>
           </a:xfrm>
           <a:prstGeom prst="rect">
             <a:avLst/>
@@ -3279,10 +3297,12 @@
           <a:p>
             <a:pPr algn="ctr"/>
             <a:r>
-              <a:rPr lang="en-US" sz="4800" dirty="0">
+              <a:rPr lang="en-US" sz="3200" u="sng" dirty="0">
                 <a:solidFill>
                   <a:schemeClr val="bg1"/>
                 </a:solidFill>
+                <a:latin typeface="Assistant SemiBold" panose="00000700000000000000" pitchFamily="2" charset="-79"/>
+                <a:cs typeface="Assistant SemiBold" panose="00000700000000000000" pitchFamily="2" charset="-79"/>
               </a:rPr>
               <a:t>“O God, The Eternal Father”</a:t>
             </a:r>
@@ -3297,8 +3317,8 @@
         </p:nvSpPr>
         <p:spPr>
           <a:xfrm>
-            <a:off x="0" y="239869"/>
-            <a:ext cx="12192000" cy="5078313"/>
+            <a:off x="0" y="729571"/>
+            <a:ext cx="12192000" cy="3970318"/>
           </a:xfrm>
           <a:prstGeom prst="rect">
             <a:avLst/>
@@ -3313,10 +3333,12 @@
           <a:p>
             <a:pPr algn="ctr"/>
             <a:r>
-              <a:rPr lang="en-US" sz="3600" dirty="0">
+              <a:rPr lang="en-US" sz="2800" spc="50" dirty="0">
                 <a:solidFill>
                   <a:schemeClr val="bg1"/>
                 </a:solidFill>
+                <a:latin typeface="Assistant" panose="00000500000000000000" pitchFamily="2" charset="-79"/>
+                <a:cs typeface="Assistant" panose="00000500000000000000" pitchFamily="2" charset="-79"/>
               </a:rPr>
               <a:t>That sacred, holy offering,</a:t>
             </a:r>
@@ -3324,10 +3346,12 @@
           <a:p>
             <a:pPr algn="ctr"/>
             <a:r>
-              <a:rPr lang="en-US" sz="3600" dirty="0">
+              <a:rPr lang="en-US" sz="2800" spc="50" dirty="0">
                 <a:solidFill>
                   <a:schemeClr val="bg1"/>
                 </a:solidFill>
+                <a:latin typeface="Assistant" panose="00000500000000000000" pitchFamily="2" charset="-79"/>
+                <a:cs typeface="Assistant" panose="00000500000000000000" pitchFamily="2" charset="-79"/>
               </a:rPr>
               <a:t>By man least understood,</a:t>
             </a:r>
@@ -3335,10 +3359,12 @@
           <a:p>
             <a:pPr algn="ctr"/>
             <a:r>
-              <a:rPr lang="en-US" sz="3600" dirty="0">
+              <a:rPr lang="en-US" sz="2800" spc="50" dirty="0">
                 <a:solidFill>
                   <a:schemeClr val="bg1"/>
                 </a:solidFill>
+                <a:latin typeface="Assistant" panose="00000500000000000000" pitchFamily="2" charset="-79"/>
+                <a:cs typeface="Assistant" panose="00000500000000000000" pitchFamily="2" charset="-79"/>
               </a:rPr>
               <a:t>To have our sins remitted,</a:t>
             </a:r>
@@ -3346,29 +3372,35 @@
           <a:p>
             <a:pPr algn="ctr"/>
             <a:r>
-              <a:rPr lang="en-US" sz="3600" dirty="0">
+              <a:rPr lang="en-US" sz="2800" spc="50" dirty="0">
                 <a:solidFill>
                   <a:schemeClr val="bg1"/>
                 </a:solidFill>
+                <a:latin typeface="Assistant" panose="00000500000000000000" pitchFamily="2" charset="-79"/>
+                <a:cs typeface="Assistant" panose="00000500000000000000" pitchFamily="2" charset="-79"/>
               </a:rPr>
               <a:t>And take His flesh and blood</a:t>
             </a:r>
           </a:p>
           <a:p>
             <a:pPr algn="ctr"/>
-            <a:endParaRPr lang="en-US" sz="3600" dirty="0">
+            <a:endParaRPr lang="en-US" sz="2800" spc="50" dirty="0">
               <a:solidFill>
                 <a:schemeClr val="bg1"/>
               </a:solidFill>
+              <a:latin typeface="Assistant" panose="00000500000000000000" pitchFamily="2" charset="-79"/>
+              <a:cs typeface="Assistant" panose="00000500000000000000" pitchFamily="2" charset="-79"/>
             </a:endParaRPr>
           </a:p>
           <a:p>
             <a:pPr algn="ctr"/>
             <a:r>
-              <a:rPr lang="en-US" sz="3600" dirty="0">
+              <a:rPr lang="en-US" sz="2800" spc="50" dirty="0">
                 <a:solidFill>
                   <a:schemeClr val="bg1"/>
                 </a:solidFill>
+                <a:latin typeface="Assistant" panose="00000500000000000000" pitchFamily="2" charset="-79"/>
+                <a:cs typeface="Assistant" panose="00000500000000000000" pitchFamily="2" charset="-79"/>
               </a:rPr>
               <a:t>That we may ever witness</a:t>
             </a:r>
@@ -3376,10 +3408,12 @@
           <a:p>
             <a:pPr algn="ctr"/>
             <a:r>
-              <a:rPr lang="en-US" sz="3600" dirty="0">
+              <a:rPr lang="en-US" sz="2800" spc="50" dirty="0">
                 <a:solidFill>
                   <a:schemeClr val="bg1"/>
                 </a:solidFill>
+                <a:latin typeface="Assistant" panose="00000500000000000000" pitchFamily="2" charset="-79"/>
+                <a:cs typeface="Assistant" panose="00000500000000000000" pitchFamily="2" charset="-79"/>
               </a:rPr>
               <a:t>The sufferings of Thy Son,</a:t>
             </a:r>
@@ -3387,10 +3421,12 @@
           <a:p>
             <a:pPr algn="ctr"/>
             <a:r>
-              <a:rPr lang="en-US" sz="3600" dirty="0">
+              <a:rPr lang="en-US" sz="2800" spc="50" dirty="0">
                 <a:solidFill>
                   <a:schemeClr val="bg1"/>
                 </a:solidFill>
+                <a:latin typeface="Assistant" panose="00000500000000000000" pitchFamily="2" charset="-79"/>
+                <a:cs typeface="Assistant" panose="00000500000000000000" pitchFamily="2" charset="-79"/>
               </a:rPr>
               <a:t>And always have His Spirit </a:t>
             </a:r>
@@ -3398,10 +3434,12 @@
           <a:p>
             <a:pPr algn="ctr"/>
             <a:r>
-              <a:rPr lang="en-US" sz="3600" dirty="0">
+              <a:rPr lang="en-US" sz="2800" spc="50" dirty="0">
                 <a:solidFill>
                   <a:schemeClr val="bg1"/>
                 </a:solidFill>
+                <a:latin typeface="Assistant" panose="00000500000000000000" pitchFamily="2" charset="-79"/>
+                <a:cs typeface="Assistant" panose="00000500000000000000" pitchFamily="2" charset="-79"/>
               </a:rPr>
               <a:t>To make our hearts as one.</a:t>
             </a:r>
@@ -3503,8 +3541,8 @@
         </p:nvSpPr>
         <p:spPr>
           <a:xfrm>
-            <a:off x="0" y="5804209"/>
-            <a:ext cx="12192000" cy="830997"/>
+            <a:off x="0" y="5927320"/>
+            <a:ext cx="12192000" cy="584775"/>
           </a:xfrm>
           <a:prstGeom prst="rect">
             <a:avLst/>
@@ -3519,10 +3557,12 @@
           <a:p>
             <a:pPr algn="ctr"/>
             <a:r>
-              <a:rPr lang="en-US" sz="4800" dirty="0">
+              <a:rPr lang="en-US" sz="3200" u="sng" dirty="0">
                 <a:solidFill>
                   <a:schemeClr val="bg1"/>
                 </a:solidFill>
+                <a:latin typeface="Assistant SemiBold" panose="00000700000000000000" pitchFamily="2" charset="-79"/>
+                <a:cs typeface="Assistant SemiBold" panose="00000700000000000000" pitchFamily="2" charset="-79"/>
               </a:rPr>
               <a:t>“O God, The Eternal Father”</a:t>
             </a:r>
@@ -3537,8 +3577,8 @@
         </p:nvSpPr>
         <p:spPr>
           <a:xfrm>
-            <a:off x="0" y="239869"/>
-            <a:ext cx="12192000" cy="5078313"/>
+            <a:off x="0" y="729571"/>
+            <a:ext cx="12192000" cy="3970318"/>
           </a:xfrm>
           <a:prstGeom prst="rect">
             <a:avLst/>
@@ -3553,10 +3593,12 @@
           <a:p>
             <a:pPr algn="ctr"/>
             <a:r>
-              <a:rPr lang="en-US" sz="3600" dirty="0">
+              <a:rPr lang="en-US" sz="2800" spc="50" dirty="0">
                 <a:solidFill>
                   <a:schemeClr val="bg1"/>
                 </a:solidFill>
+                <a:latin typeface="Assistant" panose="00000500000000000000" pitchFamily="2" charset="-79"/>
+                <a:cs typeface="Assistant" panose="00000500000000000000" pitchFamily="2" charset="-79"/>
               </a:rPr>
               <a:t>When Jesus, the Anointed,</a:t>
             </a:r>
@@ -3564,10 +3606,12 @@
           <a:p>
             <a:pPr algn="ctr"/>
             <a:r>
-              <a:rPr lang="en-US" sz="3600" dirty="0">
+              <a:rPr lang="en-US" sz="2800" spc="50" dirty="0">
                 <a:solidFill>
                   <a:schemeClr val="bg1"/>
                 </a:solidFill>
+                <a:latin typeface="Assistant" panose="00000500000000000000" pitchFamily="2" charset="-79"/>
+                <a:cs typeface="Assistant" panose="00000500000000000000" pitchFamily="2" charset="-79"/>
               </a:rPr>
               <a:t>Descended from above</a:t>
             </a:r>
@@ -3575,10 +3619,12 @@
           <a:p>
             <a:pPr algn="ctr"/>
             <a:r>
-              <a:rPr lang="en-US" sz="3600" dirty="0">
+              <a:rPr lang="en-US" sz="2800" spc="50" dirty="0">
                 <a:solidFill>
                   <a:schemeClr val="bg1"/>
                 </a:solidFill>
+                <a:latin typeface="Assistant" panose="00000500000000000000" pitchFamily="2" charset="-79"/>
+                <a:cs typeface="Assistant" panose="00000500000000000000" pitchFamily="2" charset="-79"/>
               </a:rPr>
               <a:t>And gave Himself a ransom</a:t>
             </a:r>
@@ -3586,37 +3632,35 @@
           <a:p>
             <a:pPr algn="ctr"/>
             <a:r>
-              <a:rPr lang="en-US" sz="3600">
+              <a:rPr lang="en-US" sz="2800" spc="50" dirty="0">
                 <a:solidFill>
                   <a:schemeClr val="bg1"/>
                 </a:solidFill>
+                <a:latin typeface="Assistant" panose="00000500000000000000" pitchFamily="2" charset="-79"/>
+                <a:cs typeface="Assistant" panose="00000500000000000000" pitchFamily="2" charset="-79"/>
               </a:rPr>
-              <a:t>To </a:t>
-            </a:r>
-            <a:r>
-              <a:rPr lang="en-US" sz="3600" dirty="0">
-                <a:solidFill>
-                  <a:schemeClr val="bg1"/>
-                </a:solidFill>
-              </a:rPr>
-              <a:t>win our souls with love,</a:t>
-            </a:r>
-          </a:p>
-          <a:p>
-            <a:pPr algn="ctr"/>
-            <a:endParaRPr lang="en-US" sz="3600" dirty="0">
+              <a:t>To win our souls with love,</a:t>
+            </a:r>
+          </a:p>
+          <a:p>
+            <a:pPr algn="ctr"/>
+            <a:endParaRPr lang="en-US" sz="2800" spc="50" dirty="0">
               <a:solidFill>
                 <a:schemeClr val="bg1"/>
               </a:solidFill>
+              <a:latin typeface="Assistant" panose="00000500000000000000" pitchFamily="2" charset="-79"/>
+              <a:cs typeface="Assistant" panose="00000500000000000000" pitchFamily="2" charset="-79"/>
             </a:endParaRPr>
           </a:p>
           <a:p>
             <a:pPr algn="ctr"/>
             <a:r>
-              <a:rPr lang="en-US" sz="3600" dirty="0">
+              <a:rPr lang="en-US" sz="2800" spc="50" dirty="0">
                 <a:solidFill>
                   <a:schemeClr val="bg1"/>
                 </a:solidFill>
+                <a:latin typeface="Assistant" panose="00000500000000000000" pitchFamily="2" charset="-79"/>
+                <a:cs typeface="Assistant" panose="00000500000000000000" pitchFamily="2" charset="-79"/>
               </a:rPr>
               <a:t>With no apparent beauty</a:t>
             </a:r>
@@ -3624,10 +3668,12 @@
           <a:p>
             <a:pPr algn="ctr"/>
             <a:r>
-              <a:rPr lang="en-US" sz="3600" dirty="0">
+              <a:rPr lang="en-US" sz="2800" spc="50" dirty="0">
                 <a:solidFill>
                   <a:schemeClr val="bg1"/>
                 </a:solidFill>
+                <a:latin typeface="Assistant" panose="00000500000000000000" pitchFamily="2" charset="-79"/>
+                <a:cs typeface="Assistant" panose="00000500000000000000" pitchFamily="2" charset="-79"/>
               </a:rPr>
               <a:t>That men should Him desire,</a:t>
             </a:r>
@@ -3635,10 +3681,12 @@
           <a:p>
             <a:pPr algn="ctr"/>
             <a:r>
-              <a:rPr lang="en-US" sz="3600" dirty="0">
+              <a:rPr lang="en-US" sz="2800" spc="50" dirty="0">
                 <a:solidFill>
                   <a:schemeClr val="bg1"/>
                 </a:solidFill>
+                <a:latin typeface="Assistant" panose="00000500000000000000" pitchFamily="2" charset="-79"/>
+                <a:cs typeface="Assistant" panose="00000500000000000000" pitchFamily="2" charset="-79"/>
               </a:rPr>
               <a:t>He was the promised Saviour,</a:t>
             </a:r>
@@ -3646,10 +3694,12 @@
           <a:p>
             <a:pPr algn="ctr"/>
             <a:r>
-              <a:rPr lang="en-US" sz="3600" dirty="0">
+              <a:rPr lang="en-US" sz="2800" spc="50" dirty="0">
                 <a:solidFill>
                   <a:schemeClr val="bg1"/>
                 </a:solidFill>
+                <a:latin typeface="Assistant" panose="00000500000000000000" pitchFamily="2" charset="-79"/>
+                <a:cs typeface="Assistant" panose="00000500000000000000" pitchFamily="2" charset="-79"/>
               </a:rPr>
               <a:t>To purify with fire.</a:t>
             </a:r>
@@ -3751,8 +3801,8 @@
         </p:nvSpPr>
         <p:spPr>
           <a:xfrm>
-            <a:off x="0" y="5804209"/>
-            <a:ext cx="12192000" cy="830997"/>
+            <a:off x="0" y="5927320"/>
+            <a:ext cx="12192000" cy="584775"/>
           </a:xfrm>
           <a:prstGeom prst="rect">
             <a:avLst/>
@@ -3767,10 +3817,12 @@
           <a:p>
             <a:pPr algn="ctr"/>
             <a:r>
-              <a:rPr lang="en-US" sz="4800" dirty="0">
+              <a:rPr lang="en-US" sz="3200" u="sng" dirty="0">
                 <a:solidFill>
                   <a:schemeClr val="bg1"/>
                 </a:solidFill>
+                <a:latin typeface="Assistant SemiBold" panose="00000700000000000000" pitchFamily="2" charset="-79"/>
+                <a:cs typeface="Assistant SemiBold" panose="00000700000000000000" pitchFamily="2" charset="-79"/>
               </a:rPr>
               <a:t>“O God, The Eternal Father”</a:t>
             </a:r>
@@ -3785,8 +3837,8 @@
         </p:nvSpPr>
         <p:spPr>
           <a:xfrm>
-            <a:off x="0" y="239869"/>
-            <a:ext cx="12192000" cy="5078313"/>
+            <a:off x="0" y="729571"/>
+            <a:ext cx="12192000" cy="3970318"/>
           </a:xfrm>
           <a:prstGeom prst="rect">
             <a:avLst/>
@@ -3801,10 +3853,12 @@
           <a:p>
             <a:pPr algn="ctr"/>
             <a:r>
-              <a:rPr lang="en-US" sz="3600" dirty="0">
+              <a:rPr lang="en-US" sz="2800" spc="50" dirty="0">
                 <a:solidFill>
                   <a:schemeClr val="bg1"/>
                 </a:solidFill>
+                <a:latin typeface="Assistant" panose="00000500000000000000" pitchFamily="2" charset="-79"/>
+                <a:cs typeface="Assistant" panose="00000500000000000000" pitchFamily="2" charset="-79"/>
               </a:rPr>
               <a:t>How infinite Thy wisdom,</a:t>
             </a:r>
@@ -3812,10 +3866,12 @@
           <a:p>
             <a:pPr algn="ctr"/>
             <a:r>
-              <a:rPr lang="en-US" sz="3600" dirty="0">
+              <a:rPr lang="en-US" sz="2800" spc="50" dirty="0">
                 <a:solidFill>
                   <a:schemeClr val="bg1"/>
                 </a:solidFill>
+                <a:latin typeface="Assistant" panose="00000500000000000000" pitchFamily="2" charset="-79"/>
+                <a:cs typeface="Assistant" panose="00000500000000000000" pitchFamily="2" charset="-79"/>
               </a:rPr>
               <a:t>The plan of holiness,</a:t>
             </a:r>
@@ -3823,10 +3879,12 @@
           <a:p>
             <a:pPr algn="ctr"/>
             <a:r>
-              <a:rPr lang="en-US" sz="3600" dirty="0">
+              <a:rPr lang="en-US" sz="2800" spc="50" dirty="0">
                 <a:solidFill>
                   <a:schemeClr val="bg1"/>
                 </a:solidFill>
+                <a:latin typeface="Assistant" panose="00000500000000000000" pitchFamily="2" charset="-79"/>
+                <a:cs typeface="Assistant" panose="00000500000000000000" pitchFamily="2" charset="-79"/>
               </a:rPr>
               <a:t>That made salvation perfect</a:t>
             </a:r>
@@ -3834,42 +3892,35 @@
           <a:p>
             <a:pPr algn="ctr"/>
             <a:r>
-              <a:rPr lang="en-US" sz="3600" dirty="0">
+              <a:rPr lang="en-US" sz="2800" spc="50" dirty="0">
                 <a:solidFill>
                   <a:schemeClr val="bg1"/>
                 </a:solidFill>
+                <a:latin typeface="Assistant" panose="00000500000000000000" pitchFamily="2" charset="-79"/>
+                <a:cs typeface="Assistant" panose="00000500000000000000" pitchFamily="2" charset="-79"/>
               </a:rPr>
-              <a:t>And veiled the Lord </a:t>
-            </a:r>
-            <a:r>
-              <a:rPr lang="en-US" sz="3600">
-                <a:solidFill>
-                  <a:schemeClr val="bg1"/>
-                </a:solidFill>
-              </a:rPr>
-              <a:t>in flesh</a:t>
-            </a:r>
-            <a:endParaRPr lang="en-US" sz="3600" dirty="0">
+              <a:t>And veiled the Lord in flesh</a:t>
+            </a:r>
+          </a:p>
+          <a:p>
+            <a:pPr algn="ctr"/>
+            <a:endParaRPr lang="en-US" sz="2800" spc="50" dirty="0">
               <a:solidFill>
                 <a:schemeClr val="bg1"/>
               </a:solidFill>
+              <a:latin typeface="Assistant" panose="00000500000000000000" pitchFamily="2" charset="-79"/>
+              <a:cs typeface="Assistant" panose="00000500000000000000" pitchFamily="2" charset="-79"/>
             </a:endParaRPr>
           </a:p>
           <a:p>
             <a:pPr algn="ctr"/>
-            <a:endParaRPr lang="en-US" sz="3600" dirty="0">
-              <a:solidFill>
-                <a:schemeClr val="bg1"/>
-              </a:solidFill>
-            </a:endParaRPr>
-          </a:p>
-          <a:p>
-            <a:pPr algn="ctr"/>
-            <a:r>
-              <a:rPr lang="en-US" sz="3600" dirty="0">
+            <a:r>
+              <a:rPr lang="en-US" sz="2800" spc="50" dirty="0">
                 <a:solidFill>
                   <a:schemeClr val="bg1"/>
                 </a:solidFill>
+                <a:latin typeface="Assistant" panose="00000500000000000000" pitchFamily="2" charset="-79"/>
+                <a:cs typeface="Assistant" panose="00000500000000000000" pitchFamily="2" charset="-79"/>
               </a:rPr>
               <a:t>To walk upon His footstool,</a:t>
             </a:r>
@@ -3877,10 +3928,12 @@
           <a:p>
             <a:pPr algn="ctr"/>
             <a:r>
-              <a:rPr lang="en-US" sz="3600" dirty="0">
+              <a:rPr lang="en-US" sz="2800" spc="50" dirty="0">
                 <a:solidFill>
                   <a:schemeClr val="bg1"/>
                 </a:solidFill>
+                <a:latin typeface="Assistant" panose="00000500000000000000" pitchFamily="2" charset="-79"/>
+                <a:cs typeface="Assistant" panose="00000500000000000000" pitchFamily="2" charset="-79"/>
               </a:rPr>
               <a:t>And be like man, almost,</a:t>
             </a:r>
@@ -3888,10 +3941,12 @@
           <a:p>
             <a:pPr algn="ctr"/>
             <a:r>
-              <a:rPr lang="en-US" sz="3600" dirty="0">
+              <a:rPr lang="en-US" sz="2800" spc="50" dirty="0">
                 <a:solidFill>
                   <a:schemeClr val="bg1"/>
                 </a:solidFill>
+                <a:latin typeface="Assistant" panose="00000500000000000000" pitchFamily="2" charset="-79"/>
+                <a:cs typeface="Assistant" panose="00000500000000000000" pitchFamily="2" charset="-79"/>
               </a:rPr>
               <a:t>In His exalted station,</a:t>
             </a:r>
@@ -3899,10 +3954,12 @@
           <a:p>
             <a:pPr algn="ctr"/>
             <a:r>
-              <a:rPr lang="en-US" sz="3600" dirty="0">
+              <a:rPr lang="en-US" sz="2800" spc="50" dirty="0">
                 <a:solidFill>
                   <a:schemeClr val="bg1"/>
                 </a:solidFill>
+                <a:latin typeface="Assistant" panose="00000500000000000000" pitchFamily="2" charset="-79"/>
+                <a:cs typeface="Assistant" panose="00000500000000000000" pitchFamily="2" charset="-79"/>
               </a:rPr>
               <a:t>And die or all was lost.</a:t>
             </a:r>
